--- a/INDESIGN主版及圖層.pptx
+++ b/INDESIGN主版及圖層.pptx
@@ -6,6 +6,7 @@
   </p:sldMasterIdLst>
   <p:sldIdLst>
     <p:sldId id="256" r:id="rId2"/>
+    <p:sldId id="257" r:id="rId3"/>
   </p:sldIdLst>
   <p:sldSz cx="12192000" cy="6858000"/>
   <p:notesSz cx="6858000" cy="9144000"/>
@@ -104,6 +105,11 @@
       </a:defRPr>
     </a:lvl9pPr>
   </p:defaultTextStyle>
+  <p:extLst>
+    <p:ext uri="{EFAFB233-063F-42B5-8137-9DF3F51BA10A}">
+      <p15:sldGuideLst xmlns:p15="http://schemas.microsoft.com/office/powerpoint/2012/main"/>
+    </p:ext>
+  </p:extLst>
 </p:presentation>
 </file>
 
@@ -254,7 +260,7 @@
           <a:p>
             <a:fld id="{CFB59264-818B-4F4E-889A-D963AED115D7}" type="datetimeFigureOut">
               <a:rPr kumimoji="1" lang="zh-TW" altLang="en-US" smtClean="0"/>
-              <a:t>2021/1/10</a:t>
+              <a:t>2021/1/13</a:t>
             </a:fld>
             <a:endParaRPr kumimoji="1" lang="zh-TW" altLang="en-US"/>
           </a:p>
@@ -452,7 +458,7 @@
           <a:p>
             <a:fld id="{CFB59264-818B-4F4E-889A-D963AED115D7}" type="datetimeFigureOut">
               <a:rPr kumimoji="1" lang="zh-TW" altLang="en-US" smtClean="0"/>
-              <a:t>2021/1/10</a:t>
+              <a:t>2021/1/13</a:t>
             </a:fld>
             <a:endParaRPr kumimoji="1" lang="zh-TW" altLang="en-US"/>
           </a:p>
@@ -660,7 +666,7 @@
           <a:p>
             <a:fld id="{CFB59264-818B-4F4E-889A-D963AED115D7}" type="datetimeFigureOut">
               <a:rPr kumimoji="1" lang="zh-TW" altLang="en-US" smtClean="0"/>
-              <a:t>2021/1/10</a:t>
+              <a:t>2021/1/13</a:t>
             </a:fld>
             <a:endParaRPr kumimoji="1" lang="zh-TW" altLang="en-US"/>
           </a:p>
@@ -858,7 +864,7 @@
           <a:p>
             <a:fld id="{CFB59264-818B-4F4E-889A-D963AED115D7}" type="datetimeFigureOut">
               <a:rPr kumimoji="1" lang="zh-TW" altLang="en-US" smtClean="0"/>
-              <a:t>2021/1/10</a:t>
+              <a:t>2021/1/13</a:t>
             </a:fld>
             <a:endParaRPr kumimoji="1" lang="zh-TW" altLang="en-US"/>
           </a:p>
@@ -1133,7 +1139,7 @@
           <a:p>
             <a:fld id="{CFB59264-818B-4F4E-889A-D963AED115D7}" type="datetimeFigureOut">
               <a:rPr kumimoji="1" lang="zh-TW" altLang="en-US" smtClean="0"/>
-              <a:t>2021/1/10</a:t>
+              <a:t>2021/1/13</a:t>
             </a:fld>
             <a:endParaRPr kumimoji="1" lang="zh-TW" altLang="en-US"/>
           </a:p>
@@ -1398,7 +1404,7 @@
           <a:p>
             <a:fld id="{CFB59264-818B-4F4E-889A-D963AED115D7}" type="datetimeFigureOut">
               <a:rPr kumimoji="1" lang="zh-TW" altLang="en-US" smtClean="0"/>
-              <a:t>2021/1/10</a:t>
+              <a:t>2021/1/13</a:t>
             </a:fld>
             <a:endParaRPr kumimoji="1" lang="zh-TW" altLang="en-US"/>
           </a:p>
@@ -1810,7 +1816,7 @@
           <a:p>
             <a:fld id="{CFB59264-818B-4F4E-889A-D963AED115D7}" type="datetimeFigureOut">
               <a:rPr kumimoji="1" lang="zh-TW" altLang="en-US" smtClean="0"/>
-              <a:t>2021/1/10</a:t>
+              <a:t>2021/1/13</a:t>
             </a:fld>
             <a:endParaRPr kumimoji="1" lang="zh-TW" altLang="en-US"/>
           </a:p>
@@ -1951,7 +1957,7 @@
           <a:p>
             <a:fld id="{CFB59264-818B-4F4E-889A-D963AED115D7}" type="datetimeFigureOut">
               <a:rPr kumimoji="1" lang="zh-TW" altLang="en-US" smtClean="0"/>
-              <a:t>2021/1/10</a:t>
+              <a:t>2021/1/13</a:t>
             </a:fld>
             <a:endParaRPr kumimoji="1" lang="zh-TW" altLang="en-US"/>
           </a:p>
@@ -2064,7 +2070,7 @@
           <a:p>
             <a:fld id="{CFB59264-818B-4F4E-889A-D963AED115D7}" type="datetimeFigureOut">
               <a:rPr kumimoji="1" lang="zh-TW" altLang="en-US" smtClean="0"/>
-              <a:t>2021/1/10</a:t>
+              <a:t>2021/1/13</a:t>
             </a:fld>
             <a:endParaRPr kumimoji="1" lang="zh-TW" altLang="en-US"/>
           </a:p>
@@ -2375,7 +2381,7 @@
           <a:p>
             <a:fld id="{CFB59264-818B-4F4E-889A-D963AED115D7}" type="datetimeFigureOut">
               <a:rPr kumimoji="1" lang="zh-TW" altLang="en-US" smtClean="0"/>
-              <a:t>2021/1/10</a:t>
+              <a:t>2021/1/13</a:t>
             </a:fld>
             <a:endParaRPr kumimoji="1" lang="zh-TW" altLang="en-US"/>
           </a:p>
@@ -2663,7 +2669,7 @@
           <a:p>
             <a:fld id="{CFB59264-818B-4F4E-889A-D963AED115D7}" type="datetimeFigureOut">
               <a:rPr kumimoji="1" lang="zh-TW" altLang="en-US" smtClean="0"/>
-              <a:t>2021/1/10</a:t>
+              <a:t>2021/1/13</a:t>
             </a:fld>
             <a:endParaRPr kumimoji="1" lang="zh-TW" altLang="en-US"/>
           </a:p>
@@ -2904,7 +2910,7 @@
           <a:p>
             <a:fld id="{CFB59264-818B-4F4E-889A-D963AED115D7}" type="datetimeFigureOut">
               <a:rPr kumimoji="1" lang="zh-TW" altLang="en-US" smtClean="0"/>
-              <a:t>2021/1/10</a:t>
+              <a:t>2021/1/13</a:t>
             </a:fld>
             <a:endParaRPr kumimoji="1" lang="zh-TW" altLang="en-US"/>
           </a:p>
@@ -3518,6 +3524,527 @@
 </p:sld>
 </file>
 
+<file path=ppt/slides/slide2.xml><?xml version="1.0" encoding="utf-8"?>
+<p:sld xmlns:a="http://schemas.openxmlformats.org/drawingml/2006/main" xmlns:r="http://schemas.openxmlformats.org/officeDocument/2006/relationships" xmlns:p="http://schemas.openxmlformats.org/presentationml/2006/main">
+  <p:cSld>
+    <p:spTree>
+      <p:nvGrpSpPr>
+        <p:cNvPr id="1" name=""/>
+        <p:cNvGrpSpPr/>
+        <p:nvPr/>
+      </p:nvGrpSpPr>
+      <p:grpSpPr>
+        <a:xfrm>
+          <a:off x="0" y="0"/>
+          <a:ext cx="0" cy="0"/>
+          <a:chOff x="0" y="0"/>
+          <a:chExt cx="0" cy="0"/>
+        </a:xfrm>
+      </p:grpSpPr>
+      <p:sp>
+        <p:nvSpPr>
+          <p:cNvPr id="2" name="矩形 1">
+            <a:extLst>
+              <a:ext uri="{FF2B5EF4-FFF2-40B4-BE49-F238E27FC236}">
+                <a16:creationId xmlns:a16="http://schemas.microsoft.com/office/drawing/2014/main" id="{96593035-E409-B841-A904-6151FB57D74C}"/>
+              </a:ext>
+            </a:extLst>
+          </p:cNvPr>
+          <p:cNvSpPr/>
+          <p:nvPr/>
+        </p:nvSpPr>
+        <p:spPr>
+          <a:xfrm>
+            <a:off x="477012" y="585216"/>
+            <a:ext cx="11237976" cy="5687568"/>
+          </a:xfrm>
+          <a:prstGeom prst="rect">
+            <a:avLst/>
+          </a:prstGeom>
+          <a:solidFill>
+            <a:schemeClr val="accent1">
+              <a:lumMod val="40000"/>
+              <a:lumOff val="60000"/>
+            </a:schemeClr>
+          </a:solidFill>
+          <a:ln w="38100">
+            <a:solidFill>
+              <a:schemeClr val="tx1"/>
+            </a:solidFill>
+          </a:ln>
+        </p:spPr>
+        <p:style>
+          <a:lnRef idx="2">
+            <a:schemeClr val="accent1">
+              <a:shade val="50000"/>
+            </a:schemeClr>
+          </a:lnRef>
+          <a:fillRef idx="1">
+            <a:schemeClr val="accent1"/>
+          </a:fillRef>
+          <a:effectRef idx="0">
+            <a:schemeClr val="accent1"/>
+          </a:effectRef>
+          <a:fontRef idx="minor">
+            <a:schemeClr val="lt1"/>
+          </a:fontRef>
+        </p:style>
+        <p:txBody>
+          <a:bodyPr rtlCol="0" anchor="t"/>
+          <a:lstStyle/>
+          <a:p>
+            <a:pPr lvl="1"/>
+            <a:endParaRPr kumimoji="1" lang="en-US" altLang="zh-TW" sz="5400" b="1" dirty="0">
+              <a:solidFill>
+                <a:schemeClr val="tx1"/>
+              </a:solidFill>
+              <a:latin typeface="Noto Sans CJK TC Regular" panose="020B0500000000000000" pitchFamily="34" charset="-128"/>
+              <a:ea typeface="Noto Sans CJK TC Regular" panose="020B0500000000000000" pitchFamily="34" charset="-128"/>
+            </a:endParaRPr>
+          </a:p>
+          <a:p>
+            <a:pPr lvl="1"/>
+            <a:r>
+              <a:rPr kumimoji="1" lang="zh-TW" altLang="en-US" sz="5400" b="1" dirty="0">
+                <a:solidFill>
+                  <a:schemeClr val="tx1"/>
+                </a:solidFill>
+                <a:latin typeface="Noto Sans CJK TC Regular" panose="020B0500000000000000" pitchFamily="34" charset="-128"/>
+                <a:ea typeface="Noto Sans CJK TC Regular" panose="020B0500000000000000" pitchFamily="34" charset="-128"/>
+              </a:rPr>
+              <a:t>圖層</a:t>
+            </a:r>
+            <a:r>
+              <a:rPr kumimoji="1" lang="en-US" altLang="zh-TW" sz="5400" b="1" dirty="0">
+                <a:solidFill>
+                  <a:schemeClr val="tx1"/>
+                </a:solidFill>
+                <a:latin typeface="Noto Sans CJK TC Regular" panose="020B0500000000000000" pitchFamily="34" charset="-128"/>
+                <a:ea typeface="Noto Sans CJK TC Regular" panose="020B0500000000000000" pitchFamily="34" charset="-128"/>
+              </a:rPr>
+              <a:t>1</a:t>
+            </a:r>
+          </a:p>
+          <a:p>
+            <a:pPr lvl="1"/>
+            <a:endParaRPr kumimoji="1" lang="en-US" altLang="zh-TW" sz="5400" b="1" dirty="0">
+              <a:solidFill>
+                <a:schemeClr val="tx1"/>
+              </a:solidFill>
+              <a:latin typeface="Noto Sans CJK TC Regular" panose="020B0500000000000000" pitchFamily="34" charset="-128"/>
+              <a:ea typeface="Noto Sans CJK TC Regular" panose="020B0500000000000000" pitchFamily="34" charset="-128"/>
+            </a:endParaRPr>
+          </a:p>
+          <a:p>
+            <a:pPr lvl="1"/>
+            <a:endParaRPr kumimoji="1" lang="en-US" altLang="zh-TW" sz="5400" b="1" dirty="0">
+              <a:solidFill>
+                <a:schemeClr val="tx1"/>
+              </a:solidFill>
+              <a:latin typeface="Noto Sans CJK TC Regular" panose="020B0500000000000000" pitchFamily="34" charset="-128"/>
+              <a:ea typeface="Noto Sans CJK TC Regular" panose="020B0500000000000000" pitchFamily="34" charset="-128"/>
+            </a:endParaRPr>
+          </a:p>
+          <a:p>
+            <a:pPr lvl="1"/>
+            <a:endParaRPr kumimoji="1" lang="en-US" altLang="zh-TW" sz="5400" b="1" dirty="0">
+              <a:solidFill>
+                <a:schemeClr val="tx1"/>
+              </a:solidFill>
+              <a:latin typeface="Noto Sans CJK TC Regular" panose="020B0500000000000000" pitchFamily="34" charset="-128"/>
+              <a:ea typeface="Noto Sans CJK TC Regular" panose="020B0500000000000000" pitchFamily="34" charset="-128"/>
+            </a:endParaRPr>
+          </a:p>
+          <a:p>
+            <a:pPr lvl="1"/>
+            <a:endParaRPr kumimoji="1" lang="zh-TW" altLang="en-US" sz="5400" b="1" dirty="0">
+              <a:solidFill>
+                <a:schemeClr val="tx1"/>
+              </a:solidFill>
+              <a:latin typeface="Noto Sans CJK TC Regular" panose="020B0500000000000000" pitchFamily="34" charset="-128"/>
+              <a:ea typeface="Noto Sans CJK TC Regular" panose="020B0500000000000000" pitchFamily="34" charset="-128"/>
+            </a:endParaRPr>
+          </a:p>
+        </p:txBody>
+      </p:sp>
+      <p:sp>
+        <p:nvSpPr>
+          <p:cNvPr id="4" name="矩形 3">
+            <a:extLst>
+              <a:ext uri="{FF2B5EF4-FFF2-40B4-BE49-F238E27FC236}">
+                <a16:creationId xmlns:a16="http://schemas.microsoft.com/office/drawing/2014/main" id="{35CE1E85-998D-EB49-94C9-8C91501569F8}"/>
+              </a:ext>
+            </a:extLst>
+          </p:cNvPr>
+          <p:cNvSpPr/>
+          <p:nvPr/>
+        </p:nvSpPr>
+        <p:spPr>
+          <a:xfrm>
+            <a:off x="477012" y="585216"/>
+            <a:ext cx="10091054" cy="5687568"/>
+          </a:xfrm>
+          <a:prstGeom prst="rect">
+            <a:avLst/>
+          </a:prstGeom>
+          <a:solidFill>
+            <a:schemeClr val="accent2"/>
+          </a:solidFill>
+          <a:ln w="38100">
+            <a:solidFill>
+              <a:schemeClr val="tx1"/>
+            </a:solidFill>
+          </a:ln>
+        </p:spPr>
+        <p:style>
+          <a:lnRef idx="2">
+            <a:schemeClr val="accent1">
+              <a:shade val="50000"/>
+            </a:schemeClr>
+          </a:lnRef>
+          <a:fillRef idx="1">
+            <a:schemeClr val="accent1"/>
+          </a:fillRef>
+          <a:effectRef idx="0">
+            <a:schemeClr val="accent1"/>
+          </a:effectRef>
+          <a:fontRef idx="minor">
+            <a:schemeClr val="lt1"/>
+          </a:fontRef>
+        </p:style>
+        <p:txBody>
+          <a:bodyPr rtlCol="0" anchor="t"/>
+          <a:lstStyle/>
+          <a:p>
+            <a:pPr lvl="1"/>
+            <a:endParaRPr kumimoji="1" lang="en-US" altLang="zh-TW" sz="5400" b="1" dirty="0">
+              <a:solidFill>
+                <a:schemeClr val="tx1"/>
+              </a:solidFill>
+              <a:latin typeface="Noto Sans CJK TC Regular" panose="020B0500000000000000" pitchFamily="34" charset="-128"/>
+              <a:ea typeface="Noto Sans CJK TC Regular" panose="020B0500000000000000" pitchFamily="34" charset="-128"/>
+            </a:endParaRPr>
+          </a:p>
+          <a:p>
+            <a:pPr lvl="1"/>
+            <a:r>
+              <a:rPr kumimoji="1" lang="zh-TW" altLang="en-US" sz="5400" b="1" dirty="0">
+                <a:solidFill>
+                  <a:schemeClr val="tx1"/>
+                </a:solidFill>
+                <a:latin typeface="Noto Sans CJK TC Regular" panose="020B0500000000000000" pitchFamily="34" charset="-128"/>
+                <a:ea typeface="Noto Sans CJK TC Regular" panose="020B0500000000000000" pitchFamily="34" charset="-128"/>
+              </a:rPr>
+              <a:t>圖層</a:t>
+            </a:r>
+            <a:r>
+              <a:rPr kumimoji="1" lang="en-US" altLang="zh-TW" sz="5400" b="1" dirty="0">
+                <a:solidFill>
+                  <a:schemeClr val="tx1"/>
+                </a:solidFill>
+                <a:latin typeface="Noto Sans CJK TC Regular" panose="020B0500000000000000" pitchFamily="34" charset="-128"/>
+                <a:ea typeface="Noto Sans CJK TC Regular" panose="020B0500000000000000" pitchFamily="34" charset="-128"/>
+              </a:rPr>
+              <a:t>2</a:t>
+            </a:r>
+          </a:p>
+          <a:p>
+            <a:pPr lvl="1"/>
+            <a:endParaRPr kumimoji="1" lang="en-US" altLang="zh-TW" sz="5400" b="1" dirty="0">
+              <a:solidFill>
+                <a:schemeClr val="tx1"/>
+              </a:solidFill>
+              <a:latin typeface="Noto Sans CJK TC Regular" panose="020B0500000000000000" pitchFamily="34" charset="-128"/>
+              <a:ea typeface="Noto Sans CJK TC Regular" panose="020B0500000000000000" pitchFamily="34" charset="-128"/>
+            </a:endParaRPr>
+          </a:p>
+          <a:p>
+            <a:pPr lvl="1"/>
+            <a:endParaRPr kumimoji="1" lang="en-US" altLang="zh-TW" sz="5400" b="1" dirty="0">
+              <a:solidFill>
+                <a:schemeClr val="tx1"/>
+              </a:solidFill>
+              <a:latin typeface="Noto Sans CJK TC Regular" panose="020B0500000000000000" pitchFamily="34" charset="-128"/>
+              <a:ea typeface="Noto Sans CJK TC Regular" panose="020B0500000000000000" pitchFamily="34" charset="-128"/>
+            </a:endParaRPr>
+          </a:p>
+          <a:p>
+            <a:pPr lvl="1"/>
+            <a:endParaRPr kumimoji="1" lang="en-US" altLang="zh-TW" sz="5400" b="1" dirty="0">
+              <a:solidFill>
+                <a:schemeClr val="tx1"/>
+              </a:solidFill>
+              <a:latin typeface="Noto Sans CJK TC Regular" panose="020B0500000000000000" pitchFamily="34" charset="-128"/>
+              <a:ea typeface="Noto Sans CJK TC Regular" panose="020B0500000000000000" pitchFamily="34" charset="-128"/>
+            </a:endParaRPr>
+          </a:p>
+          <a:p>
+            <a:pPr lvl="1"/>
+            <a:endParaRPr kumimoji="1" lang="zh-TW" altLang="en-US" sz="5400" b="1" dirty="0">
+              <a:solidFill>
+                <a:schemeClr val="tx1"/>
+              </a:solidFill>
+              <a:latin typeface="Noto Sans CJK TC Regular" panose="020B0500000000000000" pitchFamily="34" charset="-128"/>
+              <a:ea typeface="Noto Sans CJK TC Regular" panose="020B0500000000000000" pitchFamily="34" charset="-128"/>
+            </a:endParaRPr>
+          </a:p>
+        </p:txBody>
+      </p:sp>
+      <p:sp>
+        <p:nvSpPr>
+          <p:cNvPr id="5" name="矩形 4">
+            <a:extLst>
+              <a:ext uri="{FF2B5EF4-FFF2-40B4-BE49-F238E27FC236}">
+                <a16:creationId xmlns:a16="http://schemas.microsoft.com/office/drawing/2014/main" id="{5895CC6D-DD8C-6047-9297-8DC29AD6B3DD}"/>
+              </a:ext>
+            </a:extLst>
+          </p:cNvPr>
+          <p:cNvSpPr/>
+          <p:nvPr/>
+        </p:nvSpPr>
+        <p:spPr>
+          <a:xfrm>
+            <a:off x="477012" y="585216"/>
+            <a:ext cx="8696968" cy="5687568"/>
+          </a:xfrm>
+          <a:prstGeom prst="rect">
+            <a:avLst/>
+          </a:prstGeom>
+          <a:solidFill>
+            <a:schemeClr val="accent4"/>
+          </a:solidFill>
+          <a:ln>
+            <a:solidFill>
+              <a:schemeClr val="tx1"/>
+            </a:solidFill>
+          </a:ln>
+        </p:spPr>
+        <p:style>
+          <a:lnRef idx="0">
+            <a:scrgbClr r="0" g="0" b="0"/>
+          </a:lnRef>
+          <a:fillRef idx="0">
+            <a:scrgbClr r="0" g="0" b="0"/>
+          </a:fillRef>
+          <a:effectRef idx="0">
+            <a:scrgbClr r="0" g="0" b="0"/>
+          </a:effectRef>
+          <a:fontRef idx="minor">
+            <a:schemeClr val="lt1"/>
+          </a:fontRef>
+        </p:style>
+        <p:txBody>
+          <a:bodyPr rtlCol="0" anchor="t"/>
+          <a:lstStyle/>
+          <a:p>
+            <a:pPr lvl="1"/>
+            <a:endParaRPr kumimoji="1" lang="en-US" altLang="zh-TW" sz="5400" b="1" dirty="0">
+              <a:solidFill>
+                <a:schemeClr val="tx1"/>
+              </a:solidFill>
+              <a:latin typeface="Noto Sans CJK TC Regular" panose="020B0500000000000000" pitchFamily="34" charset="-128"/>
+              <a:ea typeface="Noto Sans CJK TC Regular" panose="020B0500000000000000" pitchFamily="34" charset="-128"/>
+            </a:endParaRPr>
+          </a:p>
+          <a:p>
+            <a:pPr lvl="1"/>
+            <a:r>
+              <a:rPr kumimoji="1" lang="zh-TW" altLang="en-US" sz="5400" b="1" dirty="0">
+                <a:solidFill>
+                  <a:schemeClr val="tx1"/>
+                </a:solidFill>
+                <a:latin typeface="Noto Sans CJK TC Regular" panose="020B0500000000000000" pitchFamily="34" charset="-128"/>
+                <a:ea typeface="Noto Sans CJK TC Regular" panose="020B0500000000000000" pitchFamily="34" charset="-128"/>
+              </a:rPr>
+              <a:t>圖層</a:t>
+            </a:r>
+            <a:r>
+              <a:rPr kumimoji="1" lang="en-US" altLang="zh-TW" sz="5400" b="1" dirty="0">
+                <a:solidFill>
+                  <a:schemeClr val="tx1"/>
+                </a:solidFill>
+                <a:latin typeface="Noto Sans CJK TC Regular" panose="020B0500000000000000" pitchFamily="34" charset="-128"/>
+                <a:ea typeface="Noto Sans CJK TC Regular" panose="020B0500000000000000" pitchFamily="34" charset="-128"/>
+              </a:rPr>
+              <a:t>3</a:t>
+            </a:r>
+          </a:p>
+          <a:p>
+            <a:pPr lvl="1"/>
+            <a:endParaRPr kumimoji="1" lang="en-US" altLang="zh-TW" sz="5400" b="1" dirty="0">
+              <a:solidFill>
+                <a:schemeClr val="tx1"/>
+              </a:solidFill>
+              <a:latin typeface="Noto Sans CJK TC Regular" panose="020B0500000000000000" pitchFamily="34" charset="-128"/>
+              <a:ea typeface="Noto Sans CJK TC Regular" panose="020B0500000000000000" pitchFamily="34" charset="-128"/>
+            </a:endParaRPr>
+          </a:p>
+          <a:p>
+            <a:pPr lvl="1"/>
+            <a:endParaRPr kumimoji="1" lang="en-US" altLang="zh-TW" sz="5400" b="1" dirty="0">
+              <a:solidFill>
+                <a:schemeClr val="tx1"/>
+              </a:solidFill>
+              <a:latin typeface="Noto Sans CJK TC Regular" panose="020B0500000000000000" pitchFamily="34" charset="-128"/>
+              <a:ea typeface="Noto Sans CJK TC Regular" panose="020B0500000000000000" pitchFamily="34" charset="-128"/>
+            </a:endParaRPr>
+          </a:p>
+          <a:p>
+            <a:pPr lvl="1"/>
+            <a:endParaRPr kumimoji="1" lang="en-US" altLang="zh-TW" sz="5400" b="1" dirty="0">
+              <a:solidFill>
+                <a:schemeClr val="tx1"/>
+              </a:solidFill>
+              <a:latin typeface="Noto Sans CJK TC Regular" panose="020B0500000000000000" pitchFamily="34" charset="-128"/>
+              <a:ea typeface="Noto Sans CJK TC Regular" panose="020B0500000000000000" pitchFamily="34" charset="-128"/>
+            </a:endParaRPr>
+          </a:p>
+          <a:p>
+            <a:pPr lvl="1"/>
+            <a:endParaRPr kumimoji="1" lang="zh-TW" altLang="en-US" sz="5400" b="1" dirty="0">
+              <a:solidFill>
+                <a:schemeClr val="tx1"/>
+              </a:solidFill>
+              <a:latin typeface="Noto Sans CJK TC Regular" panose="020B0500000000000000" pitchFamily="34" charset="-128"/>
+              <a:ea typeface="Noto Sans CJK TC Regular" panose="020B0500000000000000" pitchFamily="34" charset="-128"/>
+            </a:endParaRPr>
+          </a:p>
+        </p:txBody>
+      </p:sp>
+      <p:sp>
+        <p:nvSpPr>
+          <p:cNvPr id="6" name="矩形 5">
+            <a:extLst>
+              <a:ext uri="{FF2B5EF4-FFF2-40B4-BE49-F238E27FC236}">
+                <a16:creationId xmlns:a16="http://schemas.microsoft.com/office/drawing/2014/main" id="{1B6391ED-6AB9-0044-A781-9CCE60ECDB0D}"/>
+              </a:ext>
+            </a:extLst>
+          </p:cNvPr>
+          <p:cNvSpPr/>
+          <p:nvPr/>
+        </p:nvSpPr>
+        <p:spPr>
+          <a:xfrm>
+            <a:off x="477012" y="585216"/>
+            <a:ext cx="7182962" cy="5687568"/>
+          </a:xfrm>
+          <a:prstGeom prst="rect">
+            <a:avLst/>
+          </a:prstGeom>
+          <a:solidFill>
+            <a:schemeClr val="accent5"/>
+          </a:solidFill>
+          <a:ln>
+            <a:solidFill>
+              <a:schemeClr val="tx1"/>
+            </a:solidFill>
+          </a:ln>
+        </p:spPr>
+        <p:style>
+          <a:lnRef idx="0">
+            <a:scrgbClr r="0" g="0" b="0"/>
+          </a:lnRef>
+          <a:fillRef idx="0">
+            <a:scrgbClr r="0" g="0" b="0"/>
+          </a:fillRef>
+          <a:effectRef idx="0">
+            <a:scrgbClr r="0" g="0" b="0"/>
+          </a:effectRef>
+          <a:fontRef idx="minor">
+            <a:schemeClr val="lt1"/>
+          </a:fontRef>
+        </p:style>
+        <p:txBody>
+          <a:bodyPr rtlCol="0" anchor="t"/>
+          <a:lstStyle/>
+          <a:p>
+            <a:pPr lvl="1"/>
+            <a:endParaRPr kumimoji="1" lang="en-US" altLang="zh-TW" sz="5400" b="1" dirty="0">
+              <a:solidFill>
+                <a:schemeClr val="tx1"/>
+              </a:solidFill>
+              <a:latin typeface="Noto Sans CJK TC Regular" panose="020B0500000000000000" pitchFamily="34" charset="-128"/>
+              <a:ea typeface="Noto Sans CJK TC Regular" panose="020B0500000000000000" pitchFamily="34" charset="-128"/>
+            </a:endParaRPr>
+          </a:p>
+          <a:p>
+            <a:pPr lvl="1"/>
+            <a:r>
+              <a:rPr kumimoji="1" lang="zh-TW" altLang="en-US" sz="5400" b="1" dirty="0">
+                <a:solidFill>
+                  <a:schemeClr val="tx1"/>
+                </a:solidFill>
+                <a:latin typeface="Noto Sans CJK TC Regular" panose="020B0500000000000000" pitchFamily="34" charset="-128"/>
+                <a:ea typeface="Noto Sans CJK TC Regular" panose="020B0500000000000000" pitchFamily="34" charset="-128"/>
+              </a:rPr>
+              <a:t>圖層</a:t>
+            </a:r>
+            <a:r>
+              <a:rPr kumimoji="1" lang="en-US" altLang="zh-TW" sz="5400" b="1" dirty="0">
+                <a:solidFill>
+                  <a:schemeClr val="tx1"/>
+                </a:solidFill>
+                <a:latin typeface="Noto Sans CJK TC Regular" panose="020B0500000000000000" pitchFamily="34" charset="-128"/>
+                <a:ea typeface="Noto Sans CJK TC Regular" panose="020B0500000000000000" pitchFamily="34" charset="-128"/>
+              </a:rPr>
+              <a:t>4</a:t>
+            </a:r>
+          </a:p>
+          <a:p>
+            <a:pPr lvl="1"/>
+            <a:endParaRPr kumimoji="1" lang="en-US" altLang="zh-TW" sz="5400" b="1" dirty="0">
+              <a:solidFill>
+                <a:schemeClr val="tx1"/>
+              </a:solidFill>
+              <a:latin typeface="Noto Sans CJK TC Regular" panose="020B0500000000000000" pitchFamily="34" charset="-128"/>
+              <a:ea typeface="Noto Sans CJK TC Regular" panose="020B0500000000000000" pitchFamily="34" charset="-128"/>
+            </a:endParaRPr>
+          </a:p>
+          <a:p>
+            <a:pPr lvl="1"/>
+            <a:endParaRPr kumimoji="1" lang="en-US" altLang="zh-TW" sz="5400" b="1" dirty="0">
+              <a:solidFill>
+                <a:schemeClr val="tx1"/>
+              </a:solidFill>
+              <a:latin typeface="Noto Sans CJK TC Regular" panose="020B0500000000000000" pitchFamily="34" charset="-128"/>
+              <a:ea typeface="Noto Sans CJK TC Regular" panose="020B0500000000000000" pitchFamily="34" charset="-128"/>
+            </a:endParaRPr>
+          </a:p>
+          <a:p>
+            <a:pPr lvl="1"/>
+            <a:endParaRPr kumimoji="1" lang="en-US" altLang="zh-TW" sz="5400" b="1" dirty="0">
+              <a:solidFill>
+                <a:schemeClr val="tx1"/>
+              </a:solidFill>
+              <a:latin typeface="Noto Sans CJK TC Regular" panose="020B0500000000000000" pitchFamily="34" charset="-128"/>
+              <a:ea typeface="Noto Sans CJK TC Regular" panose="020B0500000000000000" pitchFamily="34" charset="-128"/>
+            </a:endParaRPr>
+          </a:p>
+          <a:p>
+            <a:pPr lvl="1"/>
+            <a:endParaRPr kumimoji="1" lang="zh-TW" altLang="en-US" sz="5400" b="1" dirty="0">
+              <a:solidFill>
+                <a:schemeClr val="tx1"/>
+              </a:solidFill>
+              <a:latin typeface="Noto Sans CJK TC Regular" panose="020B0500000000000000" pitchFamily="34" charset="-128"/>
+              <a:ea typeface="Noto Sans CJK TC Regular" panose="020B0500000000000000" pitchFamily="34" charset="-128"/>
+            </a:endParaRPr>
+          </a:p>
+        </p:txBody>
+      </p:sp>
+    </p:spTree>
+    <p:extLst>
+      <p:ext uri="{BB962C8B-B14F-4D97-AF65-F5344CB8AC3E}">
+        <p14:creationId xmlns:p14="http://schemas.microsoft.com/office/powerpoint/2010/main" val="1460850780"/>
+      </p:ext>
+    </p:extLst>
+  </p:cSld>
+  <p:clrMapOvr>
+    <a:masterClrMapping/>
+  </p:clrMapOvr>
+</p:sld>
+</file>
+
 <file path=ppt/theme/theme1.xml><?xml version="1.0" encoding="utf-8"?>
 <a:theme xmlns:a="http://schemas.openxmlformats.org/drawingml/2006/main" name="Office 佈景主題">
   <a:themeElements>
